--- a/Week 5-agile systems.pptx
+++ b/Week 5-agile systems.pptx
@@ -5883,8 +5883,13 @@
           <a:p>
             <a:r>
               <a:rPr lang="en-ZA" dirty="0"/>
-              <a:t>Use case Diagram.</a:t>
+              <a:t>SDLC and </a:t>
             </a:r>
+            <a:r>
+              <a:rPr lang="en-ZA"/>
+              <a:t>agile methodology.</a:t>
+            </a:r>
+            <a:endParaRPr lang="en-ZA" dirty="0"/>
           </a:p>
         </p:txBody>
       </p:sp>
